--- a/images/Logo.pptx
+++ b/images/Logo.pptx
@@ -6,6 +6,7 @@
   </p:sldMasterIdLst>
   <p:sldIdLst>
     <p:sldId id="256" r:id="rId2"/>
+    <p:sldId id="257" r:id="rId3"/>
   </p:sldIdLst>
   <p:sldSz cx="12192000" cy="6858000"/>
   <p:notesSz cx="6858000" cy="9144000"/>
@@ -394,7 +395,7 @@
           <a:p>
             <a:fld id="{7E5CAF61-4EBE-4D9D-AB9C-E028F23B44FF}" type="datetimeFigureOut">
               <a:rPr lang="de-CH" smtClean="0"/>
-              <a:t>23.06.2024</a:t>
+              <a:t>21.07.24</a:t>
             </a:fld>
             <a:endParaRPr lang="de-CH"/>
           </a:p>
@@ -594,7 +595,7 @@
           <a:p>
             <a:fld id="{7E5CAF61-4EBE-4D9D-AB9C-E028F23B44FF}" type="datetimeFigureOut">
               <a:rPr lang="de-CH" smtClean="0"/>
-              <a:t>23.06.2024</a:t>
+              <a:t>21.07.24</a:t>
             </a:fld>
             <a:endParaRPr lang="de-CH"/>
           </a:p>
@@ -804,7 +805,7 @@
           <a:p>
             <a:fld id="{7E5CAF61-4EBE-4D9D-AB9C-E028F23B44FF}" type="datetimeFigureOut">
               <a:rPr lang="de-CH" smtClean="0"/>
-              <a:t>23.06.2024</a:t>
+              <a:t>21.07.24</a:t>
             </a:fld>
             <a:endParaRPr lang="de-CH"/>
           </a:p>
@@ -1004,7 +1005,7 @@
           <a:p>
             <a:fld id="{7E5CAF61-4EBE-4D9D-AB9C-E028F23B44FF}" type="datetimeFigureOut">
               <a:rPr lang="de-CH" smtClean="0"/>
-              <a:t>23.06.2024</a:t>
+              <a:t>21.07.24</a:t>
             </a:fld>
             <a:endParaRPr lang="de-CH"/>
           </a:p>
@@ -1280,7 +1281,7 @@
           <a:p>
             <a:fld id="{7E5CAF61-4EBE-4D9D-AB9C-E028F23B44FF}" type="datetimeFigureOut">
               <a:rPr lang="de-CH" smtClean="0"/>
-              <a:t>23.06.2024</a:t>
+              <a:t>21.07.24</a:t>
             </a:fld>
             <a:endParaRPr lang="de-CH"/>
           </a:p>
@@ -1548,7 +1549,7 @@
           <a:p>
             <a:fld id="{7E5CAF61-4EBE-4D9D-AB9C-E028F23B44FF}" type="datetimeFigureOut">
               <a:rPr lang="de-CH" smtClean="0"/>
-              <a:t>23.06.2024</a:t>
+              <a:t>21.07.24</a:t>
             </a:fld>
             <a:endParaRPr lang="de-CH"/>
           </a:p>
@@ -1963,7 +1964,7 @@
           <a:p>
             <a:fld id="{7E5CAF61-4EBE-4D9D-AB9C-E028F23B44FF}" type="datetimeFigureOut">
               <a:rPr lang="de-CH" smtClean="0"/>
-              <a:t>23.06.2024</a:t>
+              <a:t>21.07.24</a:t>
             </a:fld>
             <a:endParaRPr lang="de-CH"/>
           </a:p>
@@ -2105,7 +2106,7 @@
           <a:p>
             <a:fld id="{7E5CAF61-4EBE-4D9D-AB9C-E028F23B44FF}" type="datetimeFigureOut">
               <a:rPr lang="de-CH" smtClean="0"/>
-              <a:t>23.06.2024</a:t>
+              <a:t>21.07.24</a:t>
             </a:fld>
             <a:endParaRPr lang="de-CH"/>
           </a:p>
@@ -2218,7 +2219,7 @@
           <a:p>
             <a:fld id="{7E5CAF61-4EBE-4D9D-AB9C-E028F23B44FF}" type="datetimeFigureOut">
               <a:rPr lang="de-CH" smtClean="0"/>
-              <a:t>23.06.2024</a:t>
+              <a:t>21.07.24</a:t>
             </a:fld>
             <a:endParaRPr lang="de-CH"/>
           </a:p>
@@ -2531,7 +2532,7 @@
           <a:p>
             <a:fld id="{7E5CAF61-4EBE-4D9D-AB9C-E028F23B44FF}" type="datetimeFigureOut">
               <a:rPr lang="de-CH" smtClean="0"/>
-              <a:t>23.06.2024</a:t>
+              <a:t>21.07.24</a:t>
             </a:fld>
             <a:endParaRPr lang="de-CH"/>
           </a:p>
@@ -2820,7 +2821,7 @@
           <a:p>
             <a:fld id="{7E5CAF61-4EBE-4D9D-AB9C-E028F23B44FF}" type="datetimeFigureOut">
               <a:rPr lang="de-CH" smtClean="0"/>
-              <a:t>23.06.2024</a:t>
+              <a:t>21.07.24</a:t>
             </a:fld>
             <a:endParaRPr lang="de-CH"/>
           </a:p>
@@ -3063,7 +3064,7 @@
           <a:p>
             <a:fld id="{7E5CAF61-4EBE-4D9D-AB9C-E028F23B44FF}" type="datetimeFigureOut">
               <a:rPr lang="de-CH" smtClean="0"/>
-              <a:t>23.06.2024</a:t>
+              <a:t>21.07.24</a:t>
             </a:fld>
             <a:endParaRPr lang="de-CH"/>
           </a:p>
@@ -4021,6 +4022,564 @@
 </p:sld>
 </file>
 
+<file path=ppt/slides/slide2.xml><?xml version="1.0" encoding="utf-8"?>
+<p:sld xmlns:a="http://schemas.openxmlformats.org/drawingml/2006/main" xmlns:r="http://schemas.openxmlformats.org/officeDocument/2006/relationships" xmlns:p="http://schemas.openxmlformats.org/presentationml/2006/main">
+  <p:cSld>
+    <p:spTree>
+      <p:nvGrpSpPr>
+        <p:cNvPr id="1" name=""/>
+        <p:cNvGrpSpPr/>
+        <p:nvPr/>
+      </p:nvGrpSpPr>
+      <p:grpSpPr>
+        <a:xfrm>
+          <a:off x="0" y="0"/>
+          <a:ext cx="0" cy="0"/>
+          <a:chOff x="0" y="0"/>
+          <a:chExt cx="0" cy="0"/>
+        </a:xfrm>
+      </p:grpSpPr>
+      <p:sp>
+        <p:nvSpPr>
+          <p:cNvPr id="2" name="Rectangle 1">
+            <a:extLst>
+              <a:ext uri="{FF2B5EF4-FFF2-40B4-BE49-F238E27FC236}">
+                <a16:creationId xmlns:a16="http://schemas.microsoft.com/office/drawing/2014/main" id="{D0BFC38F-CF9C-9D1A-EA3A-1C2203334889}"/>
+              </a:ext>
+            </a:extLst>
+          </p:cNvPr>
+          <p:cNvSpPr/>
+          <p:nvPr/>
+        </p:nvSpPr>
+        <p:spPr>
+          <a:xfrm>
+            <a:off x="1937982" y="423081"/>
+            <a:ext cx="7342496" cy="5909480"/>
+          </a:xfrm>
+          <a:prstGeom prst="rect">
+            <a:avLst/>
+          </a:prstGeom>
+          <a:solidFill>
+            <a:schemeClr val="bg1">
+              <a:lumMod val="95000"/>
+            </a:schemeClr>
+          </a:solidFill>
+        </p:spPr>
+        <p:style>
+          <a:lnRef idx="2">
+            <a:schemeClr val="accent1">
+              <a:shade val="15000"/>
+            </a:schemeClr>
+          </a:lnRef>
+          <a:fillRef idx="1">
+            <a:schemeClr val="accent1"/>
+          </a:fillRef>
+          <a:effectRef idx="0">
+            <a:schemeClr val="accent1"/>
+          </a:effectRef>
+          <a:fontRef idx="minor">
+            <a:schemeClr val="lt1"/>
+          </a:fontRef>
+        </p:style>
+        <p:txBody>
+          <a:bodyPr rtlCol="0" anchor="ctr"/>
+          <a:lstStyle/>
+          <a:p>
+            <a:pPr algn="ctr"/>
+            <a:endParaRPr lang="de-CH"/>
+          </a:p>
+        </p:txBody>
+      </p:sp>
+      <p:sp>
+        <p:nvSpPr>
+          <p:cNvPr id="30" name="Oval 29">
+            <a:extLst>
+              <a:ext uri="{FF2B5EF4-FFF2-40B4-BE49-F238E27FC236}">
+                <a16:creationId xmlns:a16="http://schemas.microsoft.com/office/drawing/2014/main" id="{A1B5AD86-09AE-2D84-25D5-6085F8122C66}"/>
+              </a:ext>
+            </a:extLst>
+          </p:cNvPr>
+          <p:cNvSpPr/>
+          <p:nvPr/>
+        </p:nvSpPr>
+        <p:spPr>
+          <a:xfrm>
+            <a:off x="2941045" y="855302"/>
+            <a:ext cx="5040000" cy="5040000"/>
+          </a:xfrm>
+          <a:prstGeom prst="ellipse">
+            <a:avLst/>
+          </a:prstGeom>
+          <a:solidFill>
+            <a:srgbClr val="6F87A6"/>
+          </a:solidFill>
+          <a:ln>
+            <a:solidFill>
+              <a:srgbClr val="6F87A6"/>
+            </a:solidFill>
+          </a:ln>
+        </p:spPr>
+        <p:style>
+          <a:lnRef idx="2">
+            <a:schemeClr val="accent1">
+              <a:shade val="15000"/>
+            </a:schemeClr>
+          </a:lnRef>
+          <a:fillRef idx="1">
+            <a:schemeClr val="accent1"/>
+          </a:fillRef>
+          <a:effectRef idx="0">
+            <a:schemeClr val="accent1"/>
+          </a:effectRef>
+          <a:fontRef idx="minor">
+            <a:schemeClr val="lt1"/>
+          </a:fontRef>
+        </p:style>
+        <p:txBody>
+          <a:bodyPr rtlCol="0" anchor="ctr"/>
+          <a:lstStyle/>
+          <a:p>
+            <a:pPr algn="ctr"/>
+            <a:endParaRPr lang="de-CH" dirty="0"/>
+          </a:p>
+        </p:txBody>
+      </p:sp>
+      <p:cxnSp>
+        <p:nvCxnSpPr>
+          <p:cNvPr id="29" name="Straight Connector 28">
+            <a:extLst>
+              <a:ext uri="{FF2B5EF4-FFF2-40B4-BE49-F238E27FC236}">
+                <a16:creationId xmlns:a16="http://schemas.microsoft.com/office/drawing/2014/main" id="{E0428050-0958-47EA-B7FA-7E383D92B697}"/>
+              </a:ext>
+            </a:extLst>
+          </p:cNvPr>
+          <p:cNvCxnSpPr>
+            <a:cxnSpLocks/>
+          </p:cNvCxnSpPr>
+          <p:nvPr/>
+        </p:nvCxnSpPr>
+        <p:spPr>
+          <a:xfrm flipV="1">
+            <a:off x="3959942" y="2212666"/>
+            <a:ext cx="742131" cy="316682"/>
+          </a:xfrm>
+          <a:prstGeom prst="line">
+            <a:avLst/>
+          </a:prstGeom>
+          <a:ln w="254000">
+            <a:solidFill>
+              <a:schemeClr val="bg1"/>
+            </a:solidFill>
+          </a:ln>
+        </p:spPr>
+        <p:style>
+          <a:lnRef idx="1">
+            <a:schemeClr val="dk1"/>
+          </a:lnRef>
+          <a:fillRef idx="0">
+            <a:schemeClr val="dk1"/>
+          </a:fillRef>
+          <a:effectRef idx="0">
+            <a:schemeClr val="dk1"/>
+          </a:effectRef>
+          <a:fontRef idx="minor">
+            <a:schemeClr val="tx1"/>
+          </a:fontRef>
+        </p:style>
+      </p:cxnSp>
+      <p:cxnSp>
+        <p:nvCxnSpPr>
+          <p:cNvPr id="39" name="Straight Connector 38">
+            <a:extLst>
+              <a:ext uri="{FF2B5EF4-FFF2-40B4-BE49-F238E27FC236}">
+                <a16:creationId xmlns:a16="http://schemas.microsoft.com/office/drawing/2014/main" id="{B0FFF171-B2FD-2BC2-3068-9B316CDB8B0C}"/>
+              </a:ext>
+            </a:extLst>
+          </p:cNvPr>
+          <p:cNvCxnSpPr>
+            <a:cxnSpLocks/>
+          </p:cNvCxnSpPr>
+          <p:nvPr/>
+        </p:nvCxnSpPr>
+        <p:spPr>
+          <a:xfrm>
+            <a:off x="4565548" y="2188060"/>
+            <a:ext cx="631825" cy="564356"/>
+          </a:xfrm>
+          <a:prstGeom prst="line">
+            <a:avLst/>
+          </a:prstGeom>
+          <a:ln w="254000">
+            <a:solidFill>
+              <a:schemeClr val="bg1"/>
+            </a:solidFill>
+          </a:ln>
+        </p:spPr>
+        <p:style>
+          <a:lnRef idx="1">
+            <a:schemeClr val="dk1"/>
+          </a:lnRef>
+          <a:fillRef idx="0">
+            <a:schemeClr val="dk1"/>
+          </a:fillRef>
+          <a:effectRef idx="0">
+            <a:schemeClr val="dk1"/>
+          </a:effectRef>
+          <a:fontRef idx="minor">
+            <a:schemeClr val="tx1"/>
+          </a:fontRef>
+        </p:style>
+      </p:cxnSp>
+      <p:cxnSp>
+        <p:nvCxnSpPr>
+          <p:cNvPr id="41" name="Straight Connector 40">
+            <a:extLst>
+              <a:ext uri="{FF2B5EF4-FFF2-40B4-BE49-F238E27FC236}">
+                <a16:creationId xmlns:a16="http://schemas.microsoft.com/office/drawing/2014/main" id="{9FEDD74F-FD63-A051-9E6C-0B1A2C242B45}"/>
+              </a:ext>
+            </a:extLst>
+          </p:cNvPr>
+          <p:cNvCxnSpPr>
+            <a:cxnSpLocks/>
+          </p:cNvCxnSpPr>
+          <p:nvPr/>
+        </p:nvCxnSpPr>
+        <p:spPr>
+          <a:xfrm>
+            <a:off x="5791200" y="1743075"/>
+            <a:ext cx="923823" cy="577541"/>
+          </a:xfrm>
+          <a:prstGeom prst="line">
+            <a:avLst/>
+          </a:prstGeom>
+          <a:ln w="254000">
+            <a:solidFill>
+              <a:schemeClr val="bg1"/>
+            </a:solidFill>
+          </a:ln>
+        </p:spPr>
+        <p:style>
+          <a:lnRef idx="1">
+            <a:schemeClr val="dk1"/>
+          </a:lnRef>
+          <a:fillRef idx="0">
+            <a:schemeClr val="dk1"/>
+          </a:fillRef>
+          <a:effectRef idx="0">
+            <a:schemeClr val="dk1"/>
+          </a:effectRef>
+          <a:fontRef idx="minor">
+            <a:schemeClr val="tx1"/>
+          </a:fontRef>
+        </p:style>
+      </p:cxnSp>
+      <p:cxnSp>
+        <p:nvCxnSpPr>
+          <p:cNvPr id="42" name="Straight Connector 41">
+            <a:extLst>
+              <a:ext uri="{FF2B5EF4-FFF2-40B4-BE49-F238E27FC236}">
+                <a16:creationId xmlns:a16="http://schemas.microsoft.com/office/drawing/2014/main" id="{8CB5617C-521E-D7F3-2255-A5CFF286ABE2}"/>
+              </a:ext>
+            </a:extLst>
+          </p:cNvPr>
+          <p:cNvCxnSpPr>
+            <a:cxnSpLocks/>
+          </p:cNvCxnSpPr>
+          <p:nvPr/>
+        </p:nvCxnSpPr>
+        <p:spPr>
+          <a:xfrm flipV="1">
+            <a:off x="5013223" y="1781175"/>
+            <a:ext cx="749402" cy="954572"/>
+          </a:xfrm>
+          <a:prstGeom prst="line">
+            <a:avLst/>
+          </a:prstGeom>
+          <a:ln w="254000">
+            <a:solidFill>
+              <a:schemeClr val="bg1"/>
+            </a:solidFill>
+          </a:ln>
+        </p:spPr>
+        <p:style>
+          <a:lnRef idx="1">
+            <a:schemeClr val="dk1"/>
+          </a:lnRef>
+          <a:fillRef idx="0">
+            <a:schemeClr val="dk1"/>
+          </a:fillRef>
+          <a:effectRef idx="0">
+            <a:schemeClr val="dk1"/>
+          </a:effectRef>
+          <a:fontRef idx="minor">
+            <a:schemeClr val="tx1"/>
+          </a:fontRef>
+        </p:style>
+      </p:cxnSp>
+      <p:pic>
+        <p:nvPicPr>
+          <p:cNvPr id="1039" name="Picture 1038" descr="A white cup with steam&#10;&#10;Description automatically generated">
+            <a:extLst>
+              <a:ext uri="{FF2B5EF4-FFF2-40B4-BE49-F238E27FC236}">
+                <a16:creationId xmlns:a16="http://schemas.microsoft.com/office/drawing/2014/main" id="{FCDBA66E-7465-70C5-15D1-03F4E07E46DC}"/>
+              </a:ext>
+            </a:extLst>
+          </p:cNvPr>
+          <p:cNvPicPr>
+            <a:picLocks noChangeAspect="1"/>
+          </p:cNvPicPr>
+          <p:nvPr/>
+        </p:nvPicPr>
+        <p:blipFill rotWithShape="1">
+          <a:blip r:embed="rId2">
+            <a:extLst>
+              <a:ext uri="{28A0092B-C50C-407E-A947-70E740481C1C}">
+                <a14:useLocalDpi xmlns:a14="http://schemas.microsoft.com/office/drawing/2010/main" val="0"/>
+              </a:ext>
+            </a:extLst>
+          </a:blip>
+          <a:srcRect t="32898" b="12866"/>
+          <a:stretch/>
+        </p:blipFill>
+        <p:spPr>
+          <a:xfrm>
+            <a:off x="3390637" y="3208326"/>
+            <a:ext cx="3982397" cy="1830151"/>
+          </a:xfrm>
+          <a:prstGeom prst="rect">
+            <a:avLst/>
+          </a:prstGeom>
+        </p:spPr>
+      </p:pic>
+      <p:sp>
+        <p:nvSpPr>
+          <p:cNvPr id="1051" name="Oval 1050">
+            <a:extLst>
+              <a:ext uri="{FF2B5EF4-FFF2-40B4-BE49-F238E27FC236}">
+                <a16:creationId xmlns:a16="http://schemas.microsoft.com/office/drawing/2014/main" id="{B51BD1C4-8D67-86D0-A2F9-C2AD6C518742}"/>
+              </a:ext>
+            </a:extLst>
+          </p:cNvPr>
+          <p:cNvSpPr/>
+          <p:nvPr/>
+        </p:nvSpPr>
+        <p:spPr>
+          <a:xfrm>
+            <a:off x="5514667" y="1511707"/>
+            <a:ext cx="538317" cy="540000"/>
+          </a:xfrm>
+          <a:prstGeom prst="ellipse">
+            <a:avLst/>
+          </a:prstGeom>
+          <a:solidFill>
+            <a:schemeClr val="bg1"/>
+          </a:solidFill>
+          <a:ln>
+            <a:solidFill>
+              <a:schemeClr val="bg1"/>
+            </a:solidFill>
+          </a:ln>
+        </p:spPr>
+        <p:style>
+          <a:lnRef idx="2">
+            <a:schemeClr val="accent1">
+              <a:shade val="15000"/>
+            </a:schemeClr>
+          </a:lnRef>
+          <a:fillRef idx="1">
+            <a:schemeClr val="accent1"/>
+          </a:fillRef>
+          <a:effectRef idx="0">
+            <a:schemeClr val="accent1"/>
+          </a:effectRef>
+          <a:fontRef idx="minor">
+            <a:schemeClr val="lt1"/>
+          </a:fontRef>
+        </p:style>
+        <p:txBody>
+          <a:bodyPr rtlCol="0" anchor="ctr"/>
+          <a:lstStyle/>
+          <a:p>
+            <a:pPr algn="ctr"/>
+            <a:endParaRPr lang="de-CH"/>
+          </a:p>
+        </p:txBody>
+      </p:sp>
+      <p:sp>
+        <p:nvSpPr>
+          <p:cNvPr id="1052" name="Oval 1051">
+            <a:extLst>
+              <a:ext uri="{FF2B5EF4-FFF2-40B4-BE49-F238E27FC236}">
+                <a16:creationId xmlns:a16="http://schemas.microsoft.com/office/drawing/2014/main" id="{A3C4A253-59A3-1ACB-2E03-03BA3BD72C23}"/>
+              </a:ext>
+            </a:extLst>
+          </p:cNvPr>
+          <p:cNvSpPr/>
+          <p:nvPr/>
+        </p:nvSpPr>
+        <p:spPr>
+          <a:xfrm>
+            <a:off x="6507418" y="2070916"/>
+            <a:ext cx="538317" cy="540000"/>
+          </a:xfrm>
+          <a:prstGeom prst="ellipse">
+            <a:avLst/>
+          </a:prstGeom>
+          <a:solidFill>
+            <a:schemeClr val="bg1"/>
+          </a:solidFill>
+          <a:ln>
+            <a:solidFill>
+              <a:schemeClr val="bg1"/>
+            </a:solidFill>
+          </a:ln>
+        </p:spPr>
+        <p:style>
+          <a:lnRef idx="2">
+            <a:schemeClr val="accent1">
+              <a:shade val="15000"/>
+            </a:schemeClr>
+          </a:lnRef>
+          <a:fillRef idx="1">
+            <a:schemeClr val="accent1"/>
+          </a:fillRef>
+          <a:effectRef idx="0">
+            <a:schemeClr val="accent1"/>
+          </a:effectRef>
+          <a:fontRef idx="minor">
+            <a:schemeClr val="lt1"/>
+          </a:fontRef>
+        </p:style>
+        <p:txBody>
+          <a:bodyPr rtlCol="0" anchor="ctr"/>
+          <a:lstStyle/>
+          <a:p>
+            <a:pPr algn="ctr"/>
+            <a:endParaRPr lang="de-CH"/>
+          </a:p>
+        </p:txBody>
+      </p:sp>
+      <p:sp>
+        <p:nvSpPr>
+          <p:cNvPr id="1053" name="Oval 1052">
+            <a:extLst>
+              <a:ext uri="{FF2B5EF4-FFF2-40B4-BE49-F238E27FC236}">
+                <a16:creationId xmlns:a16="http://schemas.microsoft.com/office/drawing/2014/main" id="{509C2C63-E5EE-03CE-86FF-68D18BDCA126}"/>
+              </a:ext>
+            </a:extLst>
+          </p:cNvPr>
+          <p:cNvSpPr/>
+          <p:nvPr/>
+        </p:nvSpPr>
+        <p:spPr>
+          <a:xfrm>
+            <a:off x="4842387" y="2342533"/>
+            <a:ext cx="538317" cy="540000"/>
+          </a:xfrm>
+          <a:prstGeom prst="ellipse">
+            <a:avLst/>
+          </a:prstGeom>
+          <a:solidFill>
+            <a:schemeClr val="bg1"/>
+          </a:solidFill>
+          <a:ln>
+            <a:solidFill>
+              <a:schemeClr val="bg1"/>
+            </a:solidFill>
+          </a:ln>
+        </p:spPr>
+        <p:style>
+          <a:lnRef idx="2">
+            <a:schemeClr val="accent1">
+              <a:shade val="15000"/>
+            </a:schemeClr>
+          </a:lnRef>
+          <a:fillRef idx="1">
+            <a:schemeClr val="accent1"/>
+          </a:fillRef>
+          <a:effectRef idx="0">
+            <a:schemeClr val="accent1"/>
+          </a:effectRef>
+          <a:fontRef idx="minor">
+            <a:schemeClr val="lt1"/>
+          </a:fontRef>
+        </p:style>
+        <p:txBody>
+          <a:bodyPr rtlCol="0" anchor="ctr"/>
+          <a:lstStyle/>
+          <a:p>
+            <a:pPr algn="ctr"/>
+            <a:endParaRPr lang="de-CH"/>
+          </a:p>
+        </p:txBody>
+      </p:sp>
+      <p:sp>
+        <p:nvSpPr>
+          <p:cNvPr id="1054" name="Oval 1053">
+            <a:extLst>
+              <a:ext uri="{FF2B5EF4-FFF2-40B4-BE49-F238E27FC236}">
+                <a16:creationId xmlns:a16="http://schemas.microsoft.com/office/drawing/2014/main" id="{E55AA1FD-CA88-A020-15B2-C793B2629BDB}"/>
+              </a:ext>
+            </a:extLst>
+          </p:cNvPr>
+          <p:cNvSpPr/>
+          <p:nvPr/>
+        </p:nvSpPr>
+        <p:spPr>
+          <a:xfrm>
+            <a:off x="3647767" y="2268790"/>
+            <a:ext cx="538317" cy="540000"/>
+          </a:xfrm>
+          <a:prstGeom prst="ellipse">
+            <a:avLst/>
+          </a:prstGeom>
+          <a:solidFill>
+            <a:schemeClr val="bg1"/>
+          </a:solidFill>
+          <a:ln>
+            <a:solidFill>
+              <a:schemeClr val="bg1"/>
+            </a:solidFill>
+          </a:ln>
+        </p:spPr>
+        <p:style>
+          <a:lnRef idx="2">
+            <a:schemeClr val="accent1">
+              <a:shade val="15000"/>
+            </a:schemeClr>
+          </a:lnRef>
+          <a:fillRef idx="1">
+            <a:schemeClr val="accent1"/>
+          </a:fillRef>
+          <a:effectRef idx="0">
+            <a:schemeClr val="accent1"/>
+          </a:effectRef>
+          <a:fontRef idx="minor">
+            <a:schemeClr val="lt1"/>
+          </a:fontRef>
+        </p:style>
+        <p:txBody>
+          <a:bodyPr rtlCol="0" anchor="ctr"/>
+          <a:lstStyle/>
+          <a:p>
+            <a:pPr algn="ctr"/>
+            <a:endParaRPr lang="de-CH"/>
+          </a:p>
+        </p:txBody>
+      </p:sp>
+    </p:spTree>
+    <p:extLst>
+      <p:ext uri="{BB962C8B-B14F-4D97-AF65-F5344CB8AC3E}">
+        <p14:creationId xmlns:p14="http://schemas.microsoft.com/office/powerpoint/2010/main" val="4279974427"/>
+      </p:ext>
+    </p:extLst>
+  </p:cSld>
+  <p:clrMapOvr>
+    <a:masterClrMapping/>
+  </p:clrMapOvr>
+</p:sld>
+</file>
+
 <file path=ppt/theme/theme1.xml><?xml version="1.0" encoding="utf-8"?>
 <a:theme xmlns:a="http://schemas.openxmlformats.org/drawingml/2006/main" name="Office Theme">
   <a:themeElements>
